--- a/2018_Students-Breakfast/Presentation.pptx
+++ b/2018_Students-Breakfast/Presentation.pptx
@@ -192,6 +192,9 @@
           </p14:sldIdLst>
         </p14:section>
       </p14:sectionLst>
+    </p:ext>
+    <p:ext uri="{EFAFB233-063F-42B5-8137-9DF3F51BA10A}">
+      <p15:sldGuideLst xmlns:p15="http://schemas.microsoft.com/office/powerpoint/2012/main"/>
     </p:ext>
   </p:extLst>
 </p:presentation>
@@ -23906,7 +23909,7 @@
           <a:p>
             <a:fld id="{DDEBC144-8449-4E78-932D-8F9DFCC607E1}" type="datetimeFigureOut">
               <a:rPr lang="en-US" smtClean="0"/>
-              <a:t>12/2/2018</a:t>
+              <a:t>2018-12-03</a:t>
             </a:fld>
             <a:endParaRPr lang="en-US"/>
           </a:p>
@@ -24315,6 +24318,36 @@
               <a:rPr lang="ru-RU" dirty="0"/>
               <a:t>Спросить у аудитории</a:t>
             </a:r>
+          </a:p>
+          <a:p>
+            <a:pPr marL="0" marR="0" lvl="0" indent="0" algn="l" defTabSz="914400" rtl="0" eaLnBrk="1" fontAlgn="auto" latinLnBrk="0" hangingPunct="1">
+              <a:lnSpc>
+                <a:spcPct val="100000"/>
+              </a:lnSpc>
+              <a:spcBef>
+                <a:spcPts val="0"/>
+              </a:spcBef>
+              <a:spcAft>
+                <a:spcPts val="0"/>
+              </a:spcAft>
+              <a:buClrTx/>
+              <a:buSzTx/>
+              <a:buFontTx/>
+              <a:buNone/>
+              <a:tabLst/>
+              <a:defRPr/>
+            </a:pPr>
+            <a:r>
+              <a:rPr lang="ru-RU"/>
+              <a:t>Принип: лучше </a:t>
+            </a:r>
+            <a:r>
+              <a:rPr lang="ru-RU" dirty="0"/>
+              <a:t>чем ничего</a:t>
+            </a:r>
+            <a:endParaRPr lang="en-US" dirty="0"/>
+          </a:p>
+          <a:p>
             <a:endParaRPr lang="en-US" dirty="0"/>
           </a:p>
         </p:txBody>
@@ -26191,7 +26224,7 @@
           <a:p>
             <a:fld id="{2722EC8D-BF3D-4578-8247-BB390DB67E22}" type="datetimeFigureOut">
               <a:rPr lang="en-US" smtClean="0"/>
-              <a:t>12/2/2018</a:t>
+              <a:t>2018-12-03</a:t>
             </a:fld>
             <a:endParaRPr lang="en-US"/>
           </a:p>
@@ -26389,7 +26422,7 @@
           <a:p>
             <a:fld id="{2722EC8D-BF3D-4578-8247-BB390DB67E22}" type="datetimeFigureOut">
               <a:rPr lang="en-US" smtClean="0"/>
-              <a:t>12/2/2018</a:t>
+              <a:t>2018-12-03</a:t>
             </a:fld>
             <a:endParaRPr lang="en-US"/>
           </a:p>
@@ -26597,7 +26630,7 @@
           <a:p>
             <a:fld id="{2722EC8D-BF3D-4578-8247-BB390DB67E22}" type="datetimeFigureOut">
               <a:rPr lang="en-US" smtClean="0"/>
-              <a:t>12/2/2018</a:t>
+              <a:t>2018-12-03</a:t>
             </a:fld>
             <a:endParaRPr lang="en-US"/>
           </a:p>
@@ -26795,7 +26828,7 @@
           <a:p>
             <a:fld id="{2722EC8D-BF3D-4578-8247-BB390DB67E22}" type="datetimeFigureOut">
               <a:rPr lang="en-US" smtClean="0"/>
-              <a:t>12/2/2018</a:t>
+              <a:t>2018-12-03</a:t>
             </a:fld>
             <a:endParaRPr lang="en-US"/>
           </a:p>
@@ -27070,7 +27103,7 @@
           <a:p>
             <a:fld id="{2722EC8D-BF3D-4578-8247-BB390DB67E22}" type="datetimeFigureOut">
               <a:rPr lang="en-US" smtClean="0"/>
-              <a:t>12/2/2018</a:t>
+              <a:t>2018-12-03</a:t>
             </a:fld>
             <a:endParaRPr lang="en-US"/>
           </a:p>
@@ -27335,7 +27368,7 @@
           <a:p>
             <a:fld id="{2722EC8D-BF3D-4578-8247-BB390DB67E22}" type="datetimeFigureOut">
               <a:rPr lang="en-US" smtClean="0"/>
-              <a:t>12/2/2018</a:t>
+              <a:t>2018-12-03</a:t>
             </a:fld>
             <a:endParaRPr lang="en-US"/>
           </a:p>
@@ -27747,7 +27780,7 @@
           <a:p>
             <a:fld id="{2722EC8D-BF3D-4578-8247-BB390DB67E22}" type="datetimeFigureOut">
               <a:rPr lang="en-US" smtClean="0"/>
-              <a:t>12/2/2018</a:t>
+              <a:t>2018-12-03</a:t>
             </a:fld>
             <a:endParaRPr lang="en-US"/>
           </a:p>
@@ -27888,7 +27921,7 @@
           <a:p>
             <a:fld id="{2722EC8D-BF3D-4578-8247-BB390DB67E22}" type="datetimeFigureOut">
               <a:rPr lang="en-US" smtClean="0"/>
-              <a:t>12/2/2018</a:t>
+              <a:t>2018-12-03</a:t>
             </a:fld>
             <a:endParaRPr lang="en-US"/>
           </a:p>
@@ -28001,7 +28034,7 @@
           <a:p>
             <a:fld id="{2722EC8D-BF3D-4578-8247-BB390DB67E22}" type="datetimeFigureOut">
               <a:rPr lang="en-US" smtClean="0"/>
-              <a:t>12/2/2018</a:t>
+              <a:t>2018-12-03</a:t>
             </a:fld>
             <a:endParaRPr lang="en-US"/>
           </a:p>
@@ -28312,7 +28345,7 @@
           <a:p>
             <a:fld id="{2722EC8D-BF3D-4578-8247-BB390DB67E22}" type="datetimeFigureOut">
               <a:rPr lang="en-US" smtClean="0"/>
-              <a:t>12/2/2018</a:t>
+              <a:t>2018-12-03</a:t>
             </a:fld>
             <a:endParaRPr lang="en-US"/>
           </a:p>
@@ -28600,7 +28633,7 @@
           <a:p>
             <a:fld id="{2722EC8D-BF3D-4578-8247-BB390DB67E22}" type="datetimeFigureOut">
               <a:rPr lang="en-US" smtClean="0"/>
-              <a:t>12/2/2018</a:t>
+              <a:t>2018-12-03</a:t>
             </a:fld>
             <a:endParaRPr lang="en-US"/>
           </a:p>
@@ -28841,7 +28874,7 @@
           <a:p>
             <a:fld id="{2722EC8D-BF3D-4578-8247-BB390DB67E22}" type="datetimeFigureOut">
               <a:rPr lang="en-US" smtClean="0"/>
-              <a:t>12/2/2018</a:t>
+              <a:t>2018-12-03</a:t>
             </a:fld>
             <a:endParaRPr lang="en-US"/>
           </a:p>
@@ -29244,6 +29277,14 @@
 <file path=ppt/slides/slide1.xml><?xml version="1.0" encoding="utf-8"?>
 <p:sld xmlns:a="http://schemas.openxmlformats.org/drawingml/2006/main" xmlns:r="http://schemas.openxmlformats.org/officeDocument/2006/relationships" xmlns:p="http://schemas.openxmlformats.org/presentationml/2006/main">
   <p:cSld>
+    <p:bg>
+      <p:bgPr>
+        <a:solidFill>
+          <a:schemeClr val="bg1"/>
+        </a:solidFill>
+        <a:effectLst/>
+      </p:bgPr>
+    </p:bg>
     <p:spTree>
       <p:nvGrpSpPr>
         <p:cNvPr id="1" name=""/>
@@ -29260,6 +29301,71 @@
       </p:grpSpPr>
       <p:sp>
         <p:nvSpPr>
+          <p:cNvPr id="11" name="Rectangle 6">
+            <a:extLst>
+              <a:ext uri="{FF2B5EF4-FFF2-40B4-BE49-F238E27FC236}">
+                <a16:creationId xmlns:a16="http://schemas.microsoft.com/office/drawing/2014/main" id="{6F9EB9F2-07E2-4D64-BBD8-BB5B217F1218}"/>
+              </a:ext>
+              <a:ext uri="{C183D7F6-B498-43B3-948B-1728B52AA6E4}">
+                <adec:decorative xmlns:adec="http://schemas.microsoft.com/office/drawing/2017/decorative" val="1"/>
+              </a:ext>
+            </a:extLst>
+          </p:cNvPr>
+          <p:cNvSpPr>
+            <a:spLocks noGrp="1" noRot="1" noChangeAspect="1" noMove="1" noResize="1" noEditPoints="1" noAdjustHandles="1" noChangeArrowheads="1" noChangeShapeType="1" noTextEdit="1"/>
+          </p:cNvSpPr>
+          <p:nvPr>
+            <p:extLst>
+              <p:ext uri="{386F3935-93C4-4BCD-93E2-E3B085C9AB24}">
+                <p16:designElem xmlns:p16="http://schemas.microsoft.com/office/powerpoint/2015/main" val="1"/>
+              </p:ext>
+            </p:extLst>
+          </p:nvPr>
+        </p:nvSpPr>
+        <p:spPr bwMode="ltGray">
+          <a:xfrm>
+            <a:off x="321564" y="320040"/>
+            <a:ext cx="11548872" cy="6217920"/>
+          </a:xfrm>
+          <a:prstGeom prst="rect">
+            <a:avLst/>
+          </a:prstGeom>
+          <a:solidFill>
+            <a:schemeClr val="tx1">
+              <a:alpha val="12000"/>
+            </a:schemeClr>
+          </a:solidFill>
+          <a:ln w="127000" cap="sq" cmpd="thinThick">
+            <a:noFill/>
+          </a:ln>
+        </p:spPr>
+        <p:style>
+          <a:lnRef idx="2">
+            <a:schemeClr val="accent1">
+              <a:shade val="50000"/>
+            </a:schemeClr>
+          </a:lnRef>
+          <a:fillRef idx="1">
+            <a:schemeClr val="accent1"/>
+          </a:fillRef>
+          <a:effectRef idx="0">
+            <a:schemeClr val="accent1"/>
+          </a:effectRef>
+          <a:fontRef idx="minor">
+            <a:schemeClr val="lt1"/>
+          </a:fontRef>
+        </p:style>
+        <p:txBody>
+          <a:bodyPr rtlCol="0" anchor="ctr"/>
+          <a:lstStyle/>
+          <a:p>
+            <a:pPr algn="ctr"/>
+            <a:endParaRPr lang="en-US"/>
+          </a:p>
+        </p:txBody>
+      </p:sp>
+      <p:sp>
+        <p:nvSpPr>
           <p:cNvPr id="2" name="Title 1">
             <a:extLst>
               <a:ext uri="{FF2B5EF4-FFF2-40B4-BE49-F238E27FC236}">
@@ -29271,51 +29377,188 @@
             <a:spLocks noGrp="1"/>
           </p:cNvSpPr>
           <p:nvPr>
-            <p:ph type="ctrTitle"/>
+            <p:ph type="title"/>
           </p:nvPr>
         </p:nvSpPr>
-        <p:spPr/>
+        <p:spPr>
+          <a:xfrm>
+            <a:off x="4380588" y="965199"/>
+            <a:ext cx="6766078" cy="4927601"/>
+          </a:xfrm>
+        </p:spPr>
         <p:txBody>
-          <a:bodyPr/>
+          <a:bodyPr vert="horz" lIns="91440" tIns="45720" rIns="91440" bIns="45720" rtlCol="0" anchor="ctr">
+            <a:normAutofit/>
+          </a:bodyPr>
           <a:lstStyle/>
           <a:p>
             <a:r>
-              <a:rPr lang="ru-RU" dirty="0"/>
-              <a:t>Как знать кучу всего</a:t>
+              <a:rPr lang="en-US" sz="5400" kern="1200" dirty="0" err="1">
+                <a:solidFill>
+                  <a:schemeClr val="tx1">
+                    <a:lumMod val="85000"/>
+                    <a:lumOff val="15000"/>
+                  </a:schemeClr>
+                </a:solidFill>
+                <a:latin typeface="+mj-lt"/>
+                <a:ea typeface="+mj-ea"/>
+                <a:cs typeface="+mj-cs"/>
+              </a:rPr>
+              <a:t>Как</a:t>
             </a:r>
-            <a:endParaRPr lang="en-US" dirty="0"/>
+            <a:r>
+              <a:rPr lang="en-US" sz="5400" kern="1200" dirty="0">
+                <a:solidFill>
+                  <a:schemeClr val="tx1">
+                    <a:lumMod val="85000"/>
+                    <a:lumOff val="15000"/>
+                  </a:schemeClr>
+                </a:solidFill>
+                <a:latin typeface="+mj-lt"/>
+                <a:ea typeface="+mj-ea"/>
+                <a:cs typeface="+mj-cs"/>
+              </a:rPr>
+              <a:t> </a:t>
+            </a:r>
+            <a:r>
+              <a:rPr lang="en-US" sz="5400" kern="1200" dirty="0" err="1">
+                <a:solidFill>
+                  <a:schemeClr val="tx1">
+                    <a:lumMod val="85000"/>
+                    <a:lumOff val="15000"/>
+                  </a:schemeClr>
+                </a:solidFill>
+                <a:latin typeface="+mj-lt"/>
+                <a:ea typeface="+mj-ea"/>
+                <a:cs typeface="+mj-cs"/>
+              </a:rPr>
+              <a:t>учиться</a:t>
+            </a:r>
+            <a:r>
+              <a:rPr lang="en-US" sz="5400" kern="1200" dirty="0">
+                <a:solidFill>
+                  <a:schemeClr val="tx1">
+                    <a:lumMod val="85000"/>
+                    <a:lumOff val="15000"/>
+                  </a:schemeClr>
+                </a:solidFill>
+                <a:latin typeface="+mj-lt"/>
+                <a:ea typeface="+mj-ea"/>
+                <a:cs typeface="+mj-cs"/>
+              </a:rPr>
+              <a:t> и </a:t>
+            </a:r>
+            <a:r>
+              <a:rPr lang="en-US" sz="5400" kern="1200" dirty="0" err="1">
+                <a:solidFill>
+                  <a:schemeClr val="tx1">
+                    <a:lumMod val="85000"/>
+                    <a:lumOff val="15000"/>
+                  </a:schemeClr>
+                </a:solidFill>
+                <a:latin typeface="+mj-lt"/>
+                <a:ea typeface="+mj-ea"/>
+                <a:cs typeface="+mj-cs"/>
+              </a:rPr>
+              <a:t>оставаться</a:t>
+            </a:r>
+            <a:r>
+              <a:rPr lang="en-US" sz="5400" kern="1200" dirty="0">
+                <a:solidFill>
+                  <a:schemeClr val="tx1">
+                    <a:lumMod val="85000"/>
+                    <a:lumOff val="15000"/>
+                  </a:schemeClr>
+                </a:solidFill>
+                <a:latin typeface="+mj-lt"/>
+                <a:ea typeface="+mj-ea"/>
+                <a:cs typeface="+mj-cs"/>
+              </a:rPr>
+              <a:t> </a:t>
+            </a:r>
+            <a:r>
+              <a:rPr lang="en-US" sz="5400" kern="1200" dirty="0" err="1">
+                <a:solidFill>
+                  <a:schemeClr val="tx1">
+                    <a:lumMod val="85000"/>
+                    <a:lumOff val="15000"/>
+                  </a:schemeClr>
+                </a:solidFill>
+                <a:latin typeface="+mj-lt"/>
+                <a:ea typeface="+mj-ea"/>
+                <a:cs typeface="+mj-cs"/>
+              </a:rPr>
+              <a:t>ленивым</a:t>
+            </a:r>
+            <a:endParaRPr lang="en-US" sz="5400" kern="1200" dirty="0">
+              <a:solidFill>
+                <a:schemeClr val="tx1">
+                  <a:lumMod val="85000"/>
+                  <a:lumOff val="15000"/>
+                </a:schemeClr>
+              </a:solidFill>
+              <a:latin typeface="+mj-lt"/>
+              <a:ea typeface="+mj-ea"/>
+              <a:cs typeface="+mj-cs"/>
+            </a:endParaRPr>
           </a:p>
         </p:txBody>
       </p:sp>
-      <p:sp>
-        <p:nvSpPr>
-          <p:cNvPr id="3" name="Subtitle 2">
+      <p:cxnSp>
+        <p:nvCxnSpPr>
+          <p:cNvPr id="12" name="Straight Connector 8">
             <a:extLst>
               <a:ext uri="{FF2B5EF4-FFF2-40B4-BE49-F238E27FC236}">
-                <a16:creationId xmlns:a16="http://schemas.microsoft.com/office/drawing/2014/main" id="{EC25DF64-690D-44E1-AA00-F54A44C8AB4A}"/>
+                <a16:creationId xmlns:a16="http://schemas.microsoft.com/office/drawing/2014/main" id="{F0C57C7C-DFE9-4A1E-B7A9-DF40E63366BB}"/>
+              </a:ext>
+              <a:ext uri="{C183D7F6-B498-43B3-948B-1728B52AA6E4}">
+                <adec:decorative xmlns:adec="http://schemas.microsoft.com/office/drawing/2017/decorative" val="1"/>
               </a:ext>
             </a:extLst>
           </p:cNvPr>
-          <p:cNvSpPr>
-            <a:spLocks noGrp="1"/>
-          </p:cNvSpPr>
+          <p:cNvCxnSpPr>
+            <a:cxnSpLocks noGrp="1" noRot="1" noChangeAspect="1" noMove="1" noResize="1" noEditPoints="1" noAdjustHandles="1" noChangeArrowheads="1" noChangeShapeType="1"/>
+          </p:cNvCxnSpPr>
           <p:nvPr>
-            <p:ph type="subTitle" idx="1"/>
+            <p:extLst>
+              <p:ext uri="{386F3935-93C4-4BCD-93E2-E3B085C9AB24}">
+                <p16:designElem xmlns:p16="http://schemas.microsoft.com/office/powerpoint/2015/main" val="1"/>
+              </p:ext>
+            </p:extLst>
           </p:nvPr>
-        </p:nvSpPr>
-        <p:spPr/>
-        <p:txBody>
-          <a:bodyPr/>
-          <a:lstStyle/>
-          <a:p>
-            <a:r>
-              <a:rPr lang="ru-RU" dirty="0"/>
-              <a:t>оставаясь лентяем</a:t>
-            </a:r>
-            <a:endParaRPr lang="en-US" dirty="0"/>
-          </a:p>
-        </p:txBody>
-      </p:sp>
+        </p:nvCxnSpPr>
+        <p:spPr>
+          <a:xfrm>
+            <a:off x="4055891" y="2057399"/>
+            <a:ext cx="0" cy="2743200"/>
+          </a:xfrm>
+          <a:prstGeom prst="line">
+            <a:avLst/>
+          </a:prstGeom>
+          <a:ln w="19050">
+            <a:solidFill>
+              <a:schemeClr val="tx1">
+                <a:lumMod val="85000"/>
+                <a:lumOff val="15000"/>
+              </a:schemeClr>
+            </a:solidFill>
+          </a:ln>
+        </p:spPr>
+        <p:style>
+          <a:lnRef idx="1">
+            <a:schemeClr val="accent1"/>
+          </a:lnRef>
+          <a:fillRef idx="0">
+            <a:schemeClr val="accent1"/>
+          </a:fillRef>
+          <a:effectRef idx="0">
+            <a:schemeClr val="accent1"/>
+          </a:effectRef>
+          <a:fontRef idx="minor">
+            <a:schemeClr val="tx1"/>
+          </a:fontRef>
+        </p:style>
+      </p:cxnSp>
     </p:spTree>
     <p:extLst>
       <p:ext uri="{BB962C8B-B14F-4D97-AF65-F5344CB8AC3E}">
@@ -30147,7 +30390,7 @@
           <a:p>
             <a:r>
               <a:rPr lang="ru-RU" dirty="0"/>
-              <a:t>Заполнители</a:t>
+              <a:t>«Заполнители»</a:t>
             </a:r>
             <a:endParaRPr lang="en-US" dirty="0"/>
           </a:p>
@@ -30173,6 +30416,19 @@
         <p:txBody>
           <a:bodyPr/>
           <a:lstStyle/>
+          <a:p>
+            <a:pPr marL="0" indent="0">
+              <a:buNone/>
+            </a:pPr>
+            <a:r>
+              <a:rPr lang="en-US" dirty="0"/>
+              <a:t>TODO: </a:t>
+            </a:r>
+            <a:r>
+              <a:rPr lang="ru-RU" dirty="0"/>
+              <a:t>написать что это такое вместо списка</a:t>
+            </a:r>
+          </a:p>
           <a:p>
             <a:r>
               <a:rPr lang="ru-RU" dirty="0"/>
@@ -32745,6 +33001,284 @@
   <p:clrMapOvr>
     <a:masterClrMapping/>
   </p:clrMapOvr>
+  <p:timing>
+    <p:tnLst>
+      <p:par>
+        <p:cTn id="1" dur="indefinite" restart="never" nodeType="tmRoot">
+          <p:childTnLst>
+            <p:seq concurrent="1" nextAc="seek">
+              <p:cTn id="2" dur="indefinite" nodeType="mainSeq">
+                <p:childTnLst>
+                  <p:par>
+                    <p:cTn id="3" fill="hold">
+                      <p:stCondLst>
+                        <p:cond delay="indefinite"/>
+                      </p:stCondLst>
+                      <p:childTnLst>
+                        <p:par>
+                          <p:cTn id="4" fill="hold">
+                            <p:stCondLst>
+                              <p:cond delay="0"/>
+                            </p:stCondLst>
+                            <p:childTnLst>
+                              <p:par>
+                                <p:cTn id="5" presetID="1" presetClass="entr" presetSubtype="0" fill="hold" grpId="0" nodeType="clickEffect">
+                                  <p:stCondLst>
+                                    <p:cond delay="0"/>
+                                  </p:stCondLst>
+                                  <p:childTnLst>
+                                    <p:set>
+                                      <p:cBhvr>
+                                        <p:cTn id="6" dur="1" fill="hold">
+                                          <p:stCondLst>
+                                            <p:cond delay="0"/>
+                                          </p:stCondLst>
+                                        </p:cTn>
+                                        <p:tgtEl>
+                                          <p:spTgt spid="3">
+                                            <p:txEl>
+                                              <p:pRg st="0" end="0"/>
+                                            </p:txEl>
+                                          </p:spTgt>
+                                        </p:tgtEl>
+                                        <p:attrNameLst>
+                                          <p:attrName>style.visibility</p:attrName>
+                                        </p:attrNameLst>
+                                      </p:cBhvr>
+                                      <p:to>
+                                        <p:strVal val="visible"/>
+                                      </p:to>
+                                    </p:set>
+                                  </p:childTnLst>
+                                </p:cTn>
+                              </p:par>
+                            </p:childTnLst>
+                          </p:cTn>
+                        </p:par>
+                      </p:childTnLst>
+                    </p:cTn>
+                  </p:par>
+                  <p:par>
+                    <p:cTn id="7" fill="hold">
+                      <p:stCondLst>
+                        <p:cond delay="indefinite"/>
+                      </p:stCondLst>
+                      <p:childTnLst>
+                        <p:par>
+                          <p:cTn id="8" fill="hold">
+                            <p:stCondLst>
+                              <p:cond delay="0"/>
+                            </p:stCondLst>
+                            <p:childTnLst>
+                              <p:par>
+                                <p:cTn id="9" presetID="1" presetClass="entr" presetSubtype="0" fill="hold" grpId="0" nodeType="clickEffect">
+                                  <p:stCondLst>
+                                    <p:cond delay="0"/>
+                                  </p:stCondLst>
+                                  <p:childTnLst>
+                                    <p:set>
+                                      <p:cBhvr>
+                                        <p:cTn id="10" dur="1" fill="hold">
+                                          <p:stCondLst>
+                                            <p:cond delay="0"/>
+                                          </p:stCondLst>
+                                        </p:cTn>
+                                        <p:tgtEl>
+                                          <p:spTgt spid="3">
+                                            <p:txEl>
+                                              <p:pRg st="1" end="1"/>
+                                            </p:txEl>
+                                          </p:spTgt>
+                                        </p:tgtEl>
+                                        <p:attrNameLst>
+                                          <p:attrName>style.visibility</p:attrName>
+                                        </p:attrNameLst>
+                                      </p:cBhvr>
+                                      <p:to>
+                                        <p:strVal val="visible"/>
+                                      </p:to>
+                                    </p:set>
+                                  </p:childTnLst>
+                                </p:cTn>
+                              </p:par>
+                            </p:childTnLst>
+                          </p:cTn>
+                        </p:par>
+                      </p:childTnLst>
+                    </p:cTn>
+                  </p:par>
+                  <p:par>
+                    <p:cTn id="11" fill="hold">
+                      <p:stCondLst>
+                        <p:cond delay="indefinite"/>
+                      </p:stCondLst>
+                      <p:childTnLst>
+                        <p:par>
+                          <p:cTn id="12" fill="hold">
+                            <p:stCondLst>
+                              <p:cond delay="0"/>
+                            </p:stCondLst>
+                            <p:childTnLst>
+                              <p:par>
+                                <p:cTn id="13" presetID="1" presetClass="entr" presetSubtype="0" fill="hold" grpId="0" nodeType="clickEffect">
+                                  <p:stCondLst>
+                                    <p:cond delay="0"/>
+                                  </p:stCondLst>
+                                  <p:childTnLst>
+                                    <p:set>
+                                      <p:cBhvr>
+                                        <p:cTn id="14" dur="1" fill="hold">
+                                          <p:stCondLst>
+                                            <p:cond delay="0"/>
+                                          </p:stCondLst>
+                                        </p:cTn>
+                                        <p:tgtEl>
+                                          <p:spTgt spid="3">
+                                            <p:txEl>
+                                              <p:pRg st="2" end="2"/>
+                                            </p:txEl>
+                                          </p:spTgt>
+                                        </p:tgtEl>
+                                        <p:attrNameLst>
+                                          <p:attrName>style.visibility</p:attrName>
+                                        </p:attrNameLst>
+                                      </p:cBhvr>
+                                      <p:to>
+                                        <p:strVal val="visible"/>
+                                      </p:to>
+                                    </p:set>
+                                  </p:childTnLst>
+                                </p:cTn>
+                              </p:par>
+                            </p:childTnLst>
+                          </p:cTn>
+                        </p:par>
+                      </p:childTnLst>
+                    </p:cTn>
+                  </p:par>
+                  <p:par>
+                    <p:cTn id="15" fill="hold">
+                      <p:stCondLst>
+                        <p:cond delay="indefinite"/>
+                      </p:stCondLst>
+                      <p:childTnLst>
+                        <p:par>
+                          <p:cTn id="16" fill="hold">
+                            <p:stCondLst>
+                              <p:cond delay="0"/>
+                            </p:stCondLst>
+                            <p:childTnLst>
+                              <p:par>
+                                <p:cTn id="17" presetID="1" presetClass="entr" presetSubtype="0" fill="hold" grpId="0" nodeType="clickEffect">
+                                  <p:stCondLst>
+                                    <p:cond delay="0"/>
+                                  </p:stCondLst>
+                                  <p:childTnLst>
+                                    <p:set>
+                                      <p:cBhvr>
+                                        <p:cTn id="18" dur="1" fill="hold">
+                                          <p:stCondLst>
+                                            <p:cond delay="0"/>
+                                          </p:stCondLst>
+                                        </p:cTn>
+                                        <p:tgtEl>
+                                          <p:spTgt spid="3">
+                                            <p:txEl>
+                                              <p:pRg st="3" end="3"/>
+                                            </p:txEl>
+                                          </p:spTgt>
+                                        </p:tgtEl>
+                                        <p:attrNameLst>
+                                          <p:attrName>style.visibility</p:attrName>
+                                        </p:attrNameLst>
+                                      </p:cBhvr>
+                                      <p:to>
+                                        <p:strVal val="visible"/>
+                                      </p:to>
+                                    </p:set>
+                                  </p:childTnLst>
+                                </p:cTn>
+                              </p:par>
+                            </p:childTnLst>
+                          </p:cTn>
+                        </p:par>
+                      </p:childTnLst>
+                    </p:cTn>
+                  </p:par>
+                  <p:par>
+                    <p:cTn id="19" fill="hold">
+                      <p:stCondLst>
+                        <p:cond delay="indefinite"/>
+                      </p:stCondLst>
+                      <p:childTnLst>
+                        <p:par>
+                          <p:cTn id="20" fill="hold">
+                            <p:stCondLst>
+                              <p:cond delay="0"/>
+                            </p:stCondLst>
+                            <p:childTnLst>
+                              <p:par>
+                                <p:cTn id="21" presetID="1" presetClass="entr" presetSubtype="0" fill="hold" grpId="0" nodeType="clickEffect">
+                                  <p:stCondLst>
+                                    <p:cond delay="0"/>
+                                  </p:stCondLst>
+                                  <p:childTnLst>
+                                    <p:set>
+                                      <p:cBhvr>
+                                        <p:cTn id="22" dur="1" fill="hold">
+                                          <p:stCondLst>
+                                            <p:cond delay="0"/>
+                                          </p:stCondLst>
+                                        </p:cTn>
+                                        <p:tgtEl>
+                                          <p:spTgt spid="3">
+                                            <p:txEl>
+                                              <p:pRg st="4" end="4"/>
+                                            </p:txEl>
+                                          </p:spTgt>
+                                        </p:tgtEl>
+                                        <p:attrNameLst>
+                                          <p:attrName>style.visibility</p:attrName>
+                                        </p:attrNameLst>
+                                      </p:cBhvr>
+                                      <p:to>
+                                        <p:strVal val="visible"/>
+                                      </p:to>
+                                    </p:set>
+                                  </p:childTnLst>
+                                </p:cTn>
+                              </p:par>
+                            </p:childTnLst>
+                          </p:cTn>
+                        </p:par>
+                      </p:childTnLst>
+                    </p:cTn>
+                  </p:par>
+                </p:childTnLst>
+              </p:cTn>
+              <p:prevCondLst>
+                <p:cond evt="onPrev" delay="0">
+                  <p:tgtEl>
+                    <p:sldTgt/>
+                  </p:tgtEl>
+                </p:cond>
+              </p:prevCondLst>
+              <p:nextCondLst>
+                <p:cond evt="onNext" delay="0">
+                  <p:tgtEl>
+                    <p:sldTgt/>
+                  </p:tgtEl>
+                </p:cond>
+              </p:nextCondLst>
+            </p:seq>
+          </p:childTnLst>
+        </p:cTn>
+      </p:par>
+    </p:tnLst>
+    <p:bldLst>
+      <p:bldP spid="3" grpId="0" build="p"/>
+    </p:bldLst>
+  </p:timing>
 </p:sld>
 </file>
 
@@ -34336,7 +34870,7 @@
           <a:p>
             <a:r>
               <a:rPr lang="ru-RU" dirty="0"/>
-              <a:t>Как же быть «настоящим программистом</a:t>
+              <a:t>Как же быть «настоящим программистом»</a:t>
             </a:r>
             <a:endParaRPr lang="en-US" dirty="0"/>
           </a:p>
